--- a/lesson04.pptx
+++ b/lesson04.pptx
@@ -201,14 +201,6 @@
     </p:extLst>
   </p:cmAuthor>
 </p:cmAuthorLst>
-</file>
-
-<file path=ppt/revisionInfo.xml><?xml version="1.0" encoding="utf-8"?>
-<p1510:revInfo xmlns:a="http://schemas.openxmlformats.org/drawingml/2006/main" xmlns:r="http://schemas.openxmlformats.org/officeDocument/2006/relationships" xmlns:p1510="http://schemas.microsoft.com/office/powerpoint/2015/10/main">
-  <p1510:revLst>
-    <p1510:client id="{CE586CE4-CBD0-4621-B861-986B0CEDFF2F}" v="16" dt="2021-12-13T07:09:55.559"/>
-  </p1510:revLst>
-</p1510:revInfo>
 </file>
 
 <file path=ppt/changesInfos/changesInfo1.xml><?xml version="1.0" encoding="utf-8"?>
@@ -643,6 +635,30 @@
     </pc:docChg>
   </pc:docChgLst>
   <pc:docChgLst>
+    <pc:chgData name="Anatoliy Kigel" userId="7432c6c4687b0a9c" providerId="LiveId" clId="{025ABE16-BD21-4FE9-94A5-2984685B3B7D}"/>
+    <pc:docChg chg="modSld">
+      <pc:chgData name="Anatoliy Kigel" userId="7432c6c4687b0a9c" providerId="LiveId" clId="{025ABE16-BD21-4FE9-94A5-2984685B3B7D}" dt="2022-02-02T12:07:01.639" v="3" actId="1036"/>
+      <pc:docMkLst>
+        <pc:docMk/>
+      </pc:docMkLst>
+      <pc:sldChg chg="modSp mod">
+        <pc:chgData name="Anatoliy Kigel" userId="7432c6c4687b0a9c" providerId="LiveId" clId="{025ABE16-BD21-4FE9-94A5-2984685B3B7D}" dt="2022-02-02T12:07:01.639" v="3" actId="1036"/>
+        <pc:sldMkLst>
+          <pc:docMk/>
+          <pc:sldMk cId="87372489" sldId="358"/>
+        </pc:sldMkLst>
+        <pc:spChg chg="mod">
+          <ac:chgData name="Anatoliy Kigel" userId="7432c6c4687b0a9c" providerId="LiveId" clId="{025ABE16-BD21-4FE9-94A5-2984685B3B7D}" dt="2022-02-02T12:07:01.639" v="3" actId="1036"/>
+          <ac:spMkLst>
+            <pc:docMk/>
+            <pc:sldMk cId="87372489" sldId="358"/>
+            <ac:spMk id="9" creationId="{00000000-0000-0000-0000-000000000000}"/>
+          </ac:spMkLst>
+        </pc:spChg>
+      </pc:sldChg>
+    </pc:docChg>
+  </pc:docChgLst>
+  <pc:docChgLst>
     <pc:chgData name="Anatoliy Kigel" userId="7432c6c4687b0a9c" providerId="LiveId" clId="{07E5D6E5-E191-4FA4-87F0-30A81433CD2F}"/>
     <pc:docChg chg="delSld modSld modSection">
       <pc:chgData name="Anatoliy Kigel" userId="7432c6c4687b0a9c" providerId="LiveId" clId="{07E5D6E5-E191-4FA4-87F0-30A81433CD2F}" dt="2021-10-17T20:33:56.004" v="1" actId="20577"/>
@@ -945,7 +961,7 @@
             <a:fld id="{85522811-C5C6-42D2-A409-F8556720C93F}" type="datetimeFigureOut">
               <a:rPr lang="uk-UA" smtClean="0"/>
               <a:pPr/>
-              <a:t>13.12.2021</a:t>
+              <a:t>02.02.2022</a:t>
             </a:fld>
             <a:endParaRPr lang="uk-UA"/>
           </a:p>
@@ -1575,7 +1591,7 @@
             <a:fld id="{E6FC6B0D-6115-4D7C-8040-9C8E2349BB6E}" type="datetime1">
               <a:rPr lang="uk-UA" smtClean="0"/>
               <a:pPr/>
-              <a:t>13.12.2021</a:t>
+              <a:t>02.02.2022</a:t>
             </a:fld>
             <a:endParaRPr lang="uk-UA"/>
           </a:p>
@@ -1742,7 +1758,7 @@
             <a:fld id="{996367BA-0A39-4DE2-BFC3-D5290044365E}" type="datetime1">
               <a:rPr lang="uk-UA" smtClean="0"/>
               <a:pPr/>
-              <a:t>13.12.2021</a:t>
+              <a:t>02.02.2022</a:t>
             </a:fld>
             <a:endParaRPr lang="uk-UA"/>
           </a:p>
@@ -1919,7 +1935,7 @@
             <a:fld id="{1BD6A67F-6C29-47DC-AF8A-FDB3C787DF70}" type="datetime1">
               <a:rPr lang="uk-UA" smtClean="0"/>
               <a:pPr/>
-              <a:t>13.12.2021</a:t>
+              <a:t>02.02.2022</a:t>
             </a:fld>
             <a:endParaRPr lang="uk-UA"/>
           </a:p>
@@ -2086,7 +2102,7 @@
             <a:fld id="{1657D9C5-7FF1-434F-B56E-9BAD559744E9}" type="datetime1">
               <a:rPr lang="uk-UA" smtClean="0"/>
               <a:pPr/>
-              <a:t>13.12.2021</a:t>
+              <a:t>02.02.2022</a:t>
             </a:fld>
             <a:endParaRPr lang="uk-UA"/>
           </a:p>
@@ -2329,7 +2345,7 @@
             <a:fld id="{2CEB0FC9-DE63-476B-A1A9-BE934D9049F8}" type="datetime1">
               <a:rPr lang="uk-UA" smtClean="0"/>
               <a:pPr/>
-              <a:t>13.12.2021</a:t>
+              <a:t>02.02.2022</a:t>
             </a:fld>
             <a:endParaRPr lang="uk-UA"/>
           </a:p>
@@ -2614,7 +2630,7 @@
             <a:fld id="{F964460F-86E2-4DF6-9D0F-12F5005CF375}" type="datetime1">
               <a:rPr lang="uk-UA" smtClean="0"/>
               <a:pPr/>
-              <a:t>13.12.2021</a:t>
+              <a:t>02.02.2022</a:t>
             </a:fld>
             <a:endParaRPr lang="uk-UA"/>
           </a:p>
@@ -3033,7 +3049,7 @@
             <a:fld id="{C521715E-DDCD-4267-B0A5-2918B6F6768A}" type="datetime1">
               <a:rPr lang="uk-UA" smtClean="0"/>
               <a:pPr/>
-              <a:t>13.12.2021</a:t>
+              <a:t>02.02.2022</a:t>
             </a:fld>
             <a:endParaRPr lang="uk-UA"/>
           </a:p>
@@ -3148,7 +3164,7 @@
             <a:fld id="{9289842C-EB2D-4EBB-A272-2F6A49D9794D}" type="datetime1">
               <a:rPr lang="uk-UA" smtClean="0"/>
               <a:pPr/>
-              <a:t>13.12.2021</a:t>
+              <a:t>02.02.2022</a:t>
             </a:fld>
             <a:endParaRPr lang="uk-UA"/>
           </a:p>
@@ -3240,7 +3256,7 @@
             <a:fld id="{D036F091-B700-4B52-99AC-85D0FD94D904}" type="datetime1">
               <a:rPr lang="uk-UA" smtClean="0"/>
               <a:pPr/>
-              <a:t>13.12.2021</a:t>
+              <a:t>02.02.2022</a:t>
             </a:fld>
             <a:endParaRPr lang="uk-UA"/>
           </a:p>
@@ -3514,7 +3530,7 @@
             <a:fld id="{B35DFABA-3811-4634-B803-2EAC4CD0063B}" type="datetime1">
               <a:rPr lang="uk-UA" smtClean="0"/>
               <a:pPr/>
-              <a:t>13.12.2021</a:t>
+              <a:t>02.02.2022</a:t>
             </a:fld>
             <a:endParaRPr lang="uk-UA"/>
           </a:p>
@@ -3764,7 +3780,7 @@
             <a:fld id="{8A9EA25E-F88E-463A-A119-D1E55A881002}" type="datetime1">
               <a:rPr lang="uk-UA" smtClean="0"/>
               <a:pPr/>
-              <a:t>13.12.2021</a:t>
+              <a:t>02.02.2022</a:t>
             </a:fld>
             <a:endParaRPr lang="uk-UA"/>
           </a:p>
@@ -3974,7 +3990,7 @@
             <a:fld id="{E708ED03-0080-49A2-B709-7DA4ACB3A1C3}" type="datetime1">
               <a:rPr lang="uk-UA" smtClean="0"/>
               <a:pPr/>
-              <a:t>13.12.2021</a:t>
+              <a:t>02.02.2022</a:t>
             </a:fld>
             <a:endParaRPr lang="uk-UA"/>
           </a:p>
@@ -4368,8 +4384,8 @@
         </p:nvSpPr>
         <p:spPr>
           <a:xfrm>
-            <a:off x="0" y="566391"/>
-            <a:ext cx="12192000" cy="923330"/>
+            <a:off x="0" y="592812"/>
+            <a:ext cx="12192000" cy="1107996"/>
           </a:xfrm>
           <a:prstGeom prst="rect">
             <a:avLst/>
@@ -4384,7 +4400,7 @@
           <a:p>
             <a:pPr algn="ctr"/>
             <a:r>
-              <a:rPr lang="en-US" sz="5400" b="1" dirty="0">
+              <a:rPr lang="en-US" sz="6600" b="1" dirty="0">
                 <a:solidFill>
                   <a:schemeClr val="bg1"/>
                 </a:solidFill>
@@ -4392,7 +4408,7 @@
               </a:rPr>
               <a:t>CSS Box Model</a:t>
             </a:r>
-            <a:endParaRPr lang="uk-UA" sz="5400" b="1" dirty="0">
+            <a:endParaRPr lang="uk-UA" sz="6600" b="1" dirty="0">
               <a:solidFill>
                 <a:schemeClr val="bg1"/>
               </a:solidFill>
